--- a/documentation/Coding text editor.pptx
+++ b/documentation/Coding text editor.pptx
@@ -8451,11 +8451,7 @@
             </a:r>
             <a:r>
               <a:rPr lang="en-US" dirty="0" smtClean="0"/>
-              <a:t> </a:t>
-            </a:r>
-            <a:r>
-              <a:rPr lang="en-US" dirty="0" smtClean="0"/>
-              <a:t>UI</a:t>
+              <a:t> UI</a:t>
             </a:r>
             <a:endParaRPr lang="en-US" dirty="0"/>
           </a:p>
@@ -9500,7 +9496,7 @@
       </p:sp>
       <p:pic>
         <p:nvPicPr>
-          <p:cNvPr id="5" name="Content Placeholder 4"/>
+          <p:cNvPr id="7" name="Content Placeholder 6"/>
           <p:cNvPicPr>
             <a:picLocks noGrp="1" noChangeAspect="1"/>
           </p:cNvPicPr>
@@ -9522,8 +9518,8 @@
         </p:blipFill>
         <p:spPr>
           <a:xfrm>
-            <a:off x="1644542" y="1438030"/>
-            <a:ext cx="10326625" cy="4505081"/>
+            <a:off x="2716628" y="2133600"/>
+            <a:ext cx="8660570" cy="3778250"/>
           </a:xfrm>
         </p:spPr>
       </p:pic>
